--- a/Programacion web extendido/PW_Sesion6.pptx
+++ b/Programacion web extendido/PW_Sesion6.pptx
@@ -6,10 +6,10 @@
     <p:sldMasterId id="2147483699" r:id="rId2"/>
   </p:sldMasterIdLst>
   <p:notesMasterIdLst>
-    <p:notesMasterId r:id="rId18"/>
+    <p:notesMasterId r:id="rId17"/>
   </p:notesMasterIdLst>
   <p:handoutMasterIdLst>
-    <p:handoutMasterId r:id="rId19"/>
+    <p:handoutMasterId r:id="rId18"/>
   </p:handoutMasterIdLst>
   <p:sldIdLst>
     <p:sldId id="256" r:id="rId3"/>
@@ -25,8 +25,7 @@
     <p:sldId id="265" r:id="rId13"/>
     <p:sldId id="266" r:id="rId14"/>
     <p:sldId id="267" r:id="rId15"/>
-    <p:sldId id="275" r:id="rId16"/>
-    <p:sldId id="261" r:id="rId17"/>
+    <p:sldId id="261" r:id="rId16"/>
   </p:sldIdLst>
   <p:sldSz cx="12192000" cy="6858000"/>
   <p:notesSz cx="6858000" cy="9144000"/>
@@ -230,7 +229,7 @@
           <a:p>
             <a:fld id="{7FF7D7FF-DDC7-474C-8526-899954A31AD1}" type="datetimeFigureOut">
               <a:rPr lang="es-EC" smtClean="0"/>
-              <a:t>31/3/2024</a:t>
+              <a:t>1/10/2024</a:t>
             </a:fld>
             <a:endParaRPr lang="es-EC"/>
           </a:p>
@@ -407,7 +406,7 @@
           <a:p>
             <a:fld id="{A266080D-5226-48DF-A08B-67FADEB85FAB}" type="datetimeFigureOut">
               <a:rPr lang="es-419" smtClean="0"/>
-              <a:t>31/3/2024</a:t>
+              <a:t>1/10/2024</a:t>
             </a:fld>
             <a:endParaRPr lang="es-419"/>
           </a:p>
@@ -1646,7 +1645,7 @@
           <a:p>
             <a:fld id="{8FEB83C7-CE7D-EE43-931B-A983B2AE7CF3}" type="datetimeFigureOut">
               <a:rPr lang="es-EC" smtClean="0"/>
-              <a:t>31/3/2024</a:t>
+              <a:t>1/10/2024</a:t>
             </a:fld>
             <a:endParaRPr lang="es-EC"/>
           </a:p>
@@ -1816,7 +1815,7 @@
           <a:p>
             <a:fld id="{8FEB83C7-CE7D-EE43-931B-A983B2AE7CF3}" type="datetimeFigureOut">
               <a:rPr lang="es-EC" smtClean="0"/>
-              <a:t>31/3/2024</a:t>
+              <a:t>1/10/2024</a:t>
             </a:fld>
             <a:endParaRPr lang="es-EC"/>
           </a:p>
@@ -1996,7 +1995,7 @@
           <a:p>
             <a:fld id="{8FEB83C7-CE7D-EE43-931B-A983B2AE7CF3}" type="datetimeFigureOut">
               <a:rPr lang="es-EC" smtClean="0"/>
-              <a:t>31/3/2024</a:t>
+              <a:t>1/10/2024</a:t>
             </a:fld>
             <a:endParaRPr lang="es-EC"/>
           </a:p>
@@ -2608,7 +2607,7 @@
           <a:p>
             <a:fld id="{8FEB83C7-CE7D-EE43-931B-A983B2AE7CF3}" type="datetimeFigureOut">
               <a:rPr lang="es-EC" smtClean="0"/>
-              <a:t>31/3/2024</a:t>
+              <a:t>1/10/2024</a:t>
             </a:fld>
             <a:endParaRPr lang="es-EC"/>
           </a:p>
@@ -2854,7 +2853,7 @@
           <a:p>
             <a:fld id="{8FEB83C7-CE7D-EE43-931B-A983B2AE7CF3}" type="datetimeFigureOut">
               <a:rPr lang="es-EC" smtClean="0"/>
-              <a:t>31/3/2024</a:t>
+              <a:t>1/10/2024</a:t>
             </a:fld>
             <a:endParaRPr lang="es-EC"/>
           </a:p>
@@ -3086,7 +3085,7 @@
           <a:p>
             <a:fld id="{8FEB83C7-CE7D-EE43-931B-A983B2AE7CF3}" type="datetimeFigureOut">
               <a:rPr lang="es-EC" smtClean="0"/>
-              <a:t>31/3/2024</a:t>
+              <a:t>1/10/2024</a:t>
             </a:fld>
             <a:endParaRPr lang="es-EC"/>
           </a:p>
@@ -3453,7 +3452,7 @@
           <a:p>
             <a:fld id="{8FEB83C7-CE7D-EE43-931B-A983B2AE7CF3}" type="datetimeFigureOut">
               <a:rPr lang="es-EC" smtClean="0"/>
-              <a:t>31/3/2024</a:t>
+              <a:t>1/10/2024</a:t>
             </a:fld>
             <a:endParaRPr lang="es-EC"/>
           </a:p>
@@ -3571,7 +3570,7 @@
           <a:p>
             <a:fld id="{8FEB83C7-CE7D-EE43-931B-A983B2AE7CF3}" type="datetimeFigureOut">
               <a:rPr lang="es-EC" smtClean="0"/>
-              <a:t>31/3/2024</a:t>
+              <a:t>1/10/2024</a:t>
             </a:fld>
             <a:endParaRPr lang="es-EC"/>
           </a:p>
@@ -3666,7 +3665,7 @@
           <a:p>
             <a:fld id="{8FEB83C7-CE7D-EE43-931B-A983B2AE7CF3}" type="datetimeFigureOut">
               <a:rPr lang="es-EC" smtClean="0"/>
-              <a:t>31/3/2024</a:t>
+              <a:t>1/10/2024</a:t>
             </a:fld>
             <a:endParaRPr lang="es-EC"/>
           </a:p>
@@ -3943,7 +3942,7 @@
           <a:p>
             <a:fld id="{8FEB83C7-CE7D-EE43-931B-A983B2AE7CF3}" type="datetimeFigureOut">
               <a:rPr lang="es-EC" smtClean="0"/>
-              <a:t>31/3/2024</a:t>
+              <a:t>1/10/2024</a:t>
             </a:fld>
             <a:endParaRPr lang="es-EC"/>
           </a:p>
@@ -4200,7 +4199,7 @@
           <a:p>
             <a:fld id="{8FEB83C7-CE7D-EE43-931B-A983B2AE7CF3}" type="datetimeFigureOut">
               <a:rPr lang="es-EC" smtClean="0"/>
-              <a:t>31/3/2024</a:t>
+              <a:t>1/10/2024</a:t>
             </a:fld>
             <a:endParaRPr lang="es-EC"/>
           </a:p>
@@ -4413,7 +4412,7 @@
           <a:p>
             <a:fld id="{8FEB83C7-CE7D-EE43-931B-A983B2AE7CF3}" type="datetimeFigureOut">
               <a:rPr lang="es-EC" smtClean="0"/>
-              <a:t>31/3/2024</a:t>
+              <a:t>1/10/2024</a:t>
             </a:fld>
             <a:endParaRPr lang="es-EC"/>
           </a:p>
@@ -4950,7 +4949,7 @@
           <a:p>
             <a:fld id="{8FEB83C7-CE7D-EE43-931B-A983B2AE7CF3}" type="datetimeFigureOut">
               <a:rPr lang="es-EC" smtClean="0"/>
-              <a:t>31/3/2024</a:t>
+              <a:t>1/10/2024</a:t>
             </a:fld>
             <a:endParaRPr lang="es-EC"/>
           </a:p>
@@ -5409,8 +5408,8 @@
         </p:nvSpPr>
         <p:spPr>
           <a:xfrm>
-            <a:off x="8116747" y="5208825"/>
-            <a:ext cx="2828338" cy="369332"/>
+            <a:off x="7916722" y="5037375"/>
+            <a:ext cx="3709092" cy="646331"/>
           </a:xfrm>
           <a:prstGeom prst="rect">
             <a:avLst/>
@@ -5423,9 +5422,16 @@
           </a:bodyPr>
           <a:lstStyle/>
           <a:p>
+            <a:pPr algn="ctr"/>
             <a:r>
               <a:rPr lang="es-419" dirty="0"/>
-              <a:t>Sesión 7: Maquetación web </a:t>
+              <a:t>Sesión 7: </a:t>
+            </a:r>
+          </a:p>
+          <a:p>
+            <a:r>
+              <a:rPr lang="es-419" dirty="0"/>
+              <a:t>Estructura de una web: Maquetación</a:t>
             </a:r>
           </a:p>
         </p:txBody>
@@ -7552,174 +7558,6 @@
 </file>
 
 <file path=ppt/slides/slide14.xml><?xml version="1.0" encoding="utf-8"?>
-<p:sld xmlns:a="http://schemas.openxmlformats.org/drawingml/2006/main" xmlns:r="http://schemas.openxmlformats.org/officeDocument/2006/relationships" xmlns:p="http://schemas.openxmlformats.org/presentationml/2006/main">
-  <p:cSld>
-    <p:spTree>
-      <p:nvGrpSpPr>
-        <p:cNvPr id="1" name=""/>
-        <p:cNvGrpSpPr/>
-        <p:nvPr/>
-      </p:nvGrpSpPr>
-      <p:grpSpPr>
-        <a:xfrm>
-          <a:off x="0" y="0"/>
-          <a:ext cx="0" cy="0"/>
-          <a:chOff x="0" y="0"/>
-          <a:chExt cx="0" cy="0"/>
-        </a:xfrm>
-      </p:grpSpPr>
-      <p:sp>
-        <p:nvSpPr>
-          <p:cNvPr id="2" name="Título 1">
-            <a:extLst>
-              <a:ext uri="{FF2B5EF4-FFF2-40B4-BE49-F238E27FC236}">
-                <a16:creationId xmlns:a16="http://schemas.microsoft.com/office/drawing/2014/main" id="{B8ABAACC-5240-4E68-A4E9-ACA6E7A4B0A2}"/>
-              </a:ext>
-            </a:extLst>
-          </p:cNvPr>
-          <p:cNvSpPr>
-            <a:spLocks noGrp="1"/>
-          </p:cNvSpPr>
-          <p:nvPr>
-            <p:ph type="title" idx="4294967295"/>
-          </p:nvPr>
-        </p:nvSpPr>
-        <p:spPr>
-          <a:xfrm>
-            <a:off x="492369" y="1395046"/>
-            <a:ext cx="11218985" cy="295642"/>
-          </a:xfrm>
-        </p:spPr>
-        <p:txBody>
-          <a:bodyPr>
-            <a:noAutofit/>
-          </a:bodyPr>
-          <a:lstStyle/>
-          <a:p>
-            <a:r>
-              <a:rPr lang="es-EC" sz="3200" b="1" dirty="0"/>
-              <a:t>Tarea: Maquetación web </a:t>
-            </a:r>
-          </a:p>
-        </p:txBody>
-      </p:sp>
-      <p:sp>
-        <p:nvSpPr>
-          <p:cNvPr id="3" name="Marcador de contenido 2">
-            <a:extLst>
-              <a:ext uri="{FF2B5EF4-FFF2-40B4-BE49-F238E27FC236}">
-                <a16:creationId xmlns:a16="http://schemas.microsoft.com/office/drawing/2014/main" id="{055CBC30-9FA5-4F46-97C3-766A43887EE6}"/>
-              </a:ext>
-            </a:extLst>
-          </p:cNvPr>
-          <p:cNvSpPr>
-            <a:spLocks noGrp="1"/>
-          </p:cNvSpPr>
-          <p:nvPr>
-            <p:ph idx="4294967295"/>
-          </p:nvPr>
-        </p:nvSpPr>
-        <p:spPr>
-          <a:xfrm>
-            <a:off x="492369" y="1825625"/>
-            <a:ext cx="11218985" cy="4351338"/>
-          </a:xfrm>
-        </p:spPr>
-        <p:txBody>
-          <a:bodyPr>
-            <a:normAutofit/>
-          </a:bodyPr>
-          <a:lstStyle/>
-          <a:p>
-            <a:pPr algn="just"/>
-            <a:endParaRPr lang="es-EC" sz="1400" dirty="0"/>
-          </a:p>
-          <a:p>
-            <a:pPr algn="just"/>
-            <a:r>
-              <a:rPr lang="es-EC" sz="2000" dirty="0"/>
-              <a:t>Realizar un cuadro sinóptico de los principales elementos HTML, como por ejemplo, h1, p, </a:t>
-            </a:r>
-            <a:r>
-              <a:rPr lang="es-EC" sz="2000" dirty="0" err="1"/>
-              <a:t>div</a:t>
-            </a:r>
-            <a:r>
-              <a:rPr lang="es-EC" sz="2000" dirty="0"/>
-              <a:t>, </a:t>
-            </a:r>
-            <a:r>
-              <a:rPr lang="es-EC" sz="2000" dirty="0" err="1"/>
-              <a:t>row</a:t>
-            </a:r>
-            <a:r>
-              <a:rPr lang="es-EC" sz="2000" dirty="0"/>
-              <a:t>, col, table.</a:t>
-            </a:r>
-          </a:p>
-        </p:txBody>
-      </p:sp>
-      <p:pic>
-        <p:nvPicPr>
-          <p:cNvPr id="1028" name="Picture 4" descr="Cómo hacer una maquetación web óptima?">
-            <a:extLst>
-              <a:ext uri="{FF2B5EF4-FFF2-40B4-BE49-F238E27FC236}">
-                <a16:creationId xmlns:a16="http://schemas.microsoft.com/office/drawing/2014/main" id="{D62FD894-7ACC-6C05-06CC-B38F16A17B04}"/>
-              </a:ext>
-            </a:extLst>
-          </p:cNvPr>
-          <p:cNvPicPr>
-            <a:picLocks noChangeAspect="1" noChangeArrowheads="1"/>
-          </p:cNvPicPr>
-          <p:nvPr/>
-        </p:nvPicPr>
-        <p:blipFill>
-          <a:blip r:embed="rId2">
-            <a:extLst>
-              <a:ext uri="{28A0092B-C50C-407E-A947-70E740481C1C}">
-                <a14:useLocalDpi xmlns:a14="http://schemas.microsoft.com/office/drawing/2010/main" val="0"/>
-              </a:ext>
-            </a:extLst>
-          </a:blip>
-          <a:srcRect/>
-          <a:stretch>
-            <a:fillRect/>
-          </a:stretch>
-        </p:blipFill>
-        <p:spPr bwMode="auto">
-          <a:xfrm>
-            <a:off x="3032643" y="2780523"/>
-            <a:ext cx="5796642" cy="3265714"/>
-          </a:xfrm>
-          <a:prstGeom prst="rect">
-            <a:avLst/>
-          </a:prstGeom>
-          <a:noFill/>
-          <a:extLst>
-            <a:ext uri="{909E8E84-426E-40DD-AFC4-6F175D3DCCD1}">
-              <a14:hiddenFill xmlns:a14="http://schemas.microsoft.com/office/drawing/2010/main">
-                <a:solidFill>
-                  <a:srgbClr val="FFFFFF"/>
-                </a:solidFill>
-              </a14:hiddenFill>
-            </a:ext>
-          </a:extLst>
-        </p:spPr>
-      </p:pic>
-    </p:spTree>
-    <p:extLst>
-      <p:ext uri="{BB962C8B-B14F-4D97-AF65-F5344CB8AC3E}">
-        <p14:creationId xmlns:p14="http://schemas.microsoft.com/office/powerpoint/2010/main" val="161920326"/>
-      </p:ext>
-    </p:extLst>
-  </p:cSld>
-  <p:clrMapOvr>
-    <a:masterClrMapping/>
-  </p:clrMapOvr>
-</p:sld>
-</file>
-
-<file path=ppt/slides/slide15.xml><?xml version="1.0" encoding="utf-8"?>
 <p:sld xmlns:a="http://schemas.openxmlformats.org/drawingml/2006/main" xmlns:r="http://schemas.openxmlformats.org/officeDocument/2006/relationships" xmlns:p="http://schemas.openxmlformats.org/presentationml/2006/main">
   <p:cSld>
     <p:spTree>

--- a/Programacion web extendido/PW_Sesion6.pptx
+++ b/Programacion web extendido/PW_Sesion6.pptx
@@ -229,7 +229,7 @@
           <a:p>
             <a:fld id="{7FF7D7FF-DDC7-474C-8526-899954A31AD1}" type="datetimeFigureOut">
               <a:rPr lang="es-EC" smtClean="0"/>
-              <a:t>1/10/2024</a:t>
+              <a:t>8/11/2024</a:t>
             </a:fld>
             <a:endParaRPr lang="es-EC"/>
           </a:p>
@@ -406,7 +406,7 @@
           <a:p>
             <a:fld id="{A266080D-5226-48DF-A08B-67FADEB85FAB}" type="datetimeFigureOut">
               <a:rPr lang="es-419" smtClean="0"/>
-              <a:t>1/10/2024</a:t>
+              <a:t>8/11/2024</a:t>
             </a:fld>
             <a:endParaRPr lang="es-419"/>
           </a:p>
@@ -1645,7 +1645,7 @@
           <a:p>
             <a:fld id="{8FEB83C7-CE7D-EE43-931B-A983B2AE7CF3}" type="datetimeFigureOut">
               <a:rPr lang="es-EC" smtClean="0"/>
-              <a:t>1/10/2024</a:t>
+              <a:t>8/11/2024</a:t>
             </a:fld>
             <a:endParaRPr lang="es-EC"/>
           </a:p>
@@ -1815,7 +1815,7 @@
           <a:p>
             <a:fld id="{8FEB83C7-CE7D-EE43-931B-A983B2AE7CF3}" type="datetimeFigureOut">
               <a:rPr lang="es-EC" smtClean="0"/>
-              <a:t>1/10/2024</a:t>
+              <a:t>8/11/2024</a:t>
             </a:fld>
             <a:endParaRPr lang="es-EC"/>
           </a:p>
@@ -1995,7 +1995,7 @@
           <a:p>
             <a:fld id="{8FEB83C7-CE7D-EE43-931B-A983B2AE7CF3}" type="datetimeFigureOut">
               <a:rPr lang="es-EC" smtClean="0"/>
-              <a:t>1/10/2024</a:t>
+              <a:t>8/11/2024</a:t>
             </a:fld>
             <a:endParaRPr lang="es-EC"/>
           </a:p>
@@ -2607,7 +2607,7 @@
           <a:p>
             <a:fld id="{8FEB83C7-CE7D-EE43-931B-A983B2AE7CF3}" type="datetimeFigureOut">
               <a:rPr lang="es-EC" smtClean="0"/>
-              <a:t>1/10/2024</a:t>
+              <a:t>8/11/2024</a:t>
             </a:fld>
             <a:endParaRPr lang="es-EC"/>
           </a:p>
@@ -2853,7 +2853,7 @@
           <a:p>
             <a:fld id="{8FEB83C7-CE7D-EE43-931B-A983B2AE7CF3}" type="datetimeFigureOut">
               <a:rPr lang="es-EC" smtClean="0"/>
-              <a:t>1/10/2024</a:t>
+              <a:t>8/11/2024</a:t>
             </a:fld>
             <a:endParaRPr lang="es-EC"/>
           </a:p>
@@ -3085,7 +3085,7 @@
           <a:p>
             <a:fld id="{8FEB83C7-CE7D-EE43-931B-A983B2AE7CF3}" type="datetimeFigureOut">
               <a:rPr lang="es-EC" smtClean="0"/>
-              <a:t>1/10/2024</a:t>
+              <a:t>8/11/2024</a:t>
             </a:fld>
             <a:endParaRPr lang="es-EC"/>
           </a:p>
@@ -3452,7 +3452,7 @@
           <a:p>
             <a:fld id="{8FEB83C7-CE7D-EE43-931B-A983B2AE7CF3}" type="datetimeFigureOut">
               <a:rPr lang="es-EC" smtClean="0"/>
-              <a:t>1/10/2024</a:t>
+              <a:t>8/11/2024</a:t>
             </a:fld>
             <a:endParaRPr lang="es-EC"/>
           </a:p>
@@ -3570,7 +3570,7 @@
           <a:p>
             <a:fld id="{8FEB83C7-CE7D-EE43-931B-A983B2AE7CF3}" type="datetimeFigureOut">
               <a:rPr lang="es-EC" smtClean="0"/>
-              <a:t>1/10/2024</a:t>
+              <a:t>8/11/2024</a:t>
             </a:fld>
             <a:endParaRPr lang="es-EC"/>
           </a:p>
@@ -3665,7 +3665,7 @@
           <a:p>
             <a:fld id="{8FEB83C7-CE7D-EE43-931B-A983B2AE7CF3}" type="datetimeFigureOut">
               <a:rPr lang="es-EC" smtClean="0"/>
-              <a:t>1/10/2024</a:t>
+              <a:t>8/11/2024</a:t>
             </a:fld>
             <a:endParaRPr lang="es-EC"/>
           </a:p>
@@ -3942,7 +3942,7 @@
           <a:p>
             <a:fld id="{8FEB83C7-CE7D-EE43-931B-A983B2AE7CF3}" type="datetimeFigureOut">
               <a:rPr lang="es-EC" smtClean="0"/>
-              <a:t>1/10/2024</a:t>
+              <a:t>8/11/2024</a:t>
             </a:fld>
             <a:endParaRPr lang="es-EC"/>
           </a:p>
@@ -4199,7 +4199,7 @@
           <a:p>
             <a:fld id="{8FEB83C7-CE7D-EE43-931B-A983B2AE7CF3}" type="datetimeFigureOut">
               <a:rPr lang="es-EC" smtClean="0"/>
-              <a:t>1/10/2024</a:t>
+              <a:t>8/11/2024</a:t>
             </a:fld>
             <a:endParaRPr lang="es-EC"/>
           </a:p>
@@ -4412,7 +4412,7 @@
           <a:p>
             <a:fld id="{8FEB83C7-CE7D-EE43-931B-A983B2AE7CF3}" type="datetimeFigureOut">
               <a:rPr lang="es-EC" smtClean="0"/>
-              <a:t>1/10/2024</a:t>
+              <a:t>8/11/2024</a:t>
             </a:fld>
             <a:endParaRPr lang="es-EC"/>
           </a:p>
@@ -4949,7 +4949,7 @@
           <a:p>
             <a:fld id="{8FEB83C7-CE7D-EE43-931B-A983B2AE7CF3}" type="datetimeFigureOut">
               <a:rPr lang="es-EC" smtClean="0"/>
-              <a:t>1/10/2024</a:t>
+              <a:t>8/11/2024</a:t>
             </a:fld>
             <a:endParaRPr lang="es-EC"/>
           </a:p>
@@ -5424,9 +5424,10 @@
           <a:p>
             <a:pPr algn="ctr"/>
             <a:r>
-              <a:rPr lang="es-419" dirty="0"/>
-              <a:t>Sesión 7: </a:t>
-            </a:r>
+              <a:rPr lang="es-419"/>
+              <a:t>Sesión 6: </a:t>
+            </a:r>
+            <a:endParaRPr lang="es-419" dirty="0"/>
           </a:p>
           <a:p>
             <a:r>
